--- a/CNN/proj_pres.pptx
+++ b/CNN/proj_pres.pptx
@@ -119,6 +119,11 @@
       </a:defRPr>
     </a:lvl9pPr>
   </p:defaultTextStyle>
+  <p:extLst>
+    <p:ext uri="{EFAFB233-063F-42B5-8137-9DF3F51BA10A}">
+      <p15:sldGuideLst xmlns:p15="http://schemas.microsoft.com/office/powerpoint/2012/main"/>
+    </p:ext>
+  </p:extLst>
 </p:presentation>
 </file>
 
@@ -271,7 +276,7 @@
           <a:p>
             <a:fld id="{89AAE567-BA1A-49E7-ACF8-1D26612960EC}" type="datetimeFigureOut">
               <a:rPr lang="he-IL" smtClean="0"/>
-              <a:t>י"ח/טבת/תש"פ</a:t>
+              <a:t>כ"ב/טבת/תש"פ</a:t>
             </a:fld>
             <a:endParaRPr lang="he-IL"/>
           </a:p>
@@ -471,7 +476,7 @@
           <a:p>
             <a:fld id="{89AAE567-BA1A-49E7-ACF8-1D26612960EC}" type="datetimeFigureOut">
               <a:rPr lang="he-IL" smtClean="0"/>
-              <a:t>י"ח/טבת/תש"פ</a:t>
+              <a:t>כ"ב/טבת/תש"פ</a:t>
             </a:fld>
             <a:endParaRPr lang="he-IL"/>
           </a:p>
@@ -681,7 +686,7 @@
           <a:p>
             <a:fld id="{89AAE567-BA1A-49E7-ACF8-1D26612960EC}" type="datetimeFigureOut">
               <a:rPr lang="he-IL" smtClean="0"/>
-              <a:t>י"ח/טבת/תש"פ</a:t>
+              <a:t>כ"ב/טבת/תש"פ</a:t>
             </a:fld>
             <a:endParaRPr lang="he-IL"/>
           </a:p>
@@ -881,7 +886,7 @@
           <a:p>
             <a:fld id="{89AAE567-BA1A-49E7-ACF8-1D26612960EC}" type="datetimeFigureOut">
               <a:rPr lang="he-IL" smtClean="0"/>
-              <a:t>י"ח/טבת/תש"פ</a:t>
+              <a:t>כ"ב/טבת/תש"פ</a:t>
             </a:fld>
             <a:endParaRPr lang="he-IL"/>
           </a:p>
@@ -1157,7 +1162,7 @@
           <a:p>
             <a:fld id="{89AAE567-BA1A-49E7-ACF8-1D26612960EC}" type="datetimeFigureOut">
               <a:rPr lang="he-IL" smtClean="0"/>
-              <a:t>י"ח/טבת/תש"פ</a:t>
+              <a:t>כ"ב/טבת/תש"פ</a:t>
             </a:fld>
             <a:endParaRPr lang="he-IL"/>
           </a:p>
@@ -1425,7 +1430,7 @@
           <a:p>
             <a:fld id="{89AAE567-BA1A-49E7-ACF8-1D26612960EC}" type="datetimeFigureOut">
               <a:rPr lang="he-IL" smtClean="0"/>
-              <a:t>י"ח/טבת/תש"פ</a:t>
+              <a:t>כ"ב/טבת/תש"פ</a:t>
             </a:fld>
             <a:endParaRPr lang="he-IL"/>
           </a:p>
@@ -1840,7 +1845,7 @@
           <a:p>
             <a:fld id="{89AAE567-BA1A-49E7-ACF8-1D26612960EC}" type="datetimeFigureOut">
               <a:rPr lang="he-IL" smtClean="0"/>
-              <a:t>י"ח/טבת/תש"פ</a:t>
+              <a:t>כ"ב/טבת/תש"פ</a:t>
             </a:fld>
             <a:endParaRPr lang="he-IL"/>
           </a:p>
@@ -1982,7 +1987,7 @@
           <a:p>
             <a:fld id="{89AAE567-BA1A-49E7-ACF8-1D26612960EC}" type="datetimeFigureOut">
               <a:rPr lang="he-IL" smtClean="0"/>
-              <a:t>י"ח/טבת/תש"פ</a:t>
+              <a:t>כ"ב/טבת/תש"פ</a:t>
             </a:fld>
             <a:endParaRPr lang="he-IL"/>
           </a:p>
@@ -2095,7 +2100,7 @@
           <a:p>
             <a:fld id="{89AAE567-BA1A-49E7-ACF8-1D26612960EC}" type="datetimeFigureOut">
               <a:rPr lang="he-IL" smtClean="0"/>
-              <a:t>י"ח/טבת/תש"פ</a:t>
+              <a:t>כ"ב/טבת/תש"פ</a:t>
             </a:fld>
             <a:endParaRPr lang="he-IL"/>
           </a:p>
@@ -2408,7 +2413,7 @@
           <a:p>
             <a:fld id="{89AAE567-BA1A-49E7-ACF8-1D26612960EC}" type="datetimeFigureOut">
               <a:rPr lang="he-IL" smtClean="0"/>
-              <a:t>י"ח/טבת/תש"פ</a:t>
+              <a:t>כ"ב/טבת/תש"פ</a:t>
             </a:fld>
             <a:endParaRPr lang="he-IL"/>
           </a:p>
@@ -2697,7 +2702,7 @@
           <a:p>
             <a:fld id="{89AAE567-BA1A-49E7-ACF8-1D26612960EC}" type="datetimeFigureOut">
               <a:rPr lang="he-IL" smtClean="0"/>
-              <a:t>י"ח/טבת/תש"פ</a:t>
+              <a:t>כ"ב/טבת/תש"פ</a:t>
             </a:fld>
             <a:endParaRPr lang="he-IL"/>
           </a:p>
@@ -2940,7 +2945,7 @@
           <a:p>
             <a:fld id="{89AAE567-BA1A-49E7-ACF8-1D26612960EC}" type="datetimeFigureOut">
               <a:rPr lang="he-IL" smtClean="0"/>
-              <a:t>י"ח/טבת/תש"פ</a:t>
+              <a:t>כ"ב/טבת/תש"פ</a:t>
             </a:fld>
             <a:endParaRPr lang="he-IL"/>
           </a:p>
@@ -3449,10 +3454,10 @@
           <a:lstStyle/>
           <a:p>
             <a:r>
-              <a:rPr lang="en-US" dirty="0"/>
+              <a:rPr lang="en-US" b="1" dirty="0"/>
               <a:t>Third Attempt:</a:t>
             </a:r>
-            <a:endParaRPr lang="he-IL" dirty="0"/>
+            <a:endParaRPr lang="he-IL" b="1" dirty="0"/>
           </a:p>
         </p:txBody>
       </p:sp>
@@ -3605,10 +3610,10 @@
           <a:lstStyle/>
           <a:p>
             <a:r>
-              <a:rPr lang="en-US" dirty="0"/>
+              <a:rPr lang="en-US" b="1" dirty="0"/>
               <a:t>Results:</a:t>
             </a:r>
-            <a:endParaRPr lang="he-IL" dirty="0"/>
+            <a:endParaRPr lang="he-IL" b="1" dirty="0"/>
           </a:p>
         </p:txBody>
       </p:sp>
@@ -3805,10 +3810,10 @@
           <a:lstStyle/>
           <a:p>
             <a:r>
-              <a:rPr lang="en-US" dirty="0"/>
-              <a:t>Fourth Attempt</a:t>
-            </a:r>
-            <a:endParaRPr lang="he-IL" dirty="0"/>
+              <a:rPr lang="en-US" b="1" dirty="0"/>
+              <a:t>Fourth Attempt:</a:t>
+            </a:r>
+            <a:endParaRPr lang="he-IL" b="1" dirty="0"/>
           </a:p>
         </p:txBody>
       </p:sp>
@@ -4002,10 +4007,10 @@
           <a:lstStyle/>
           <a:p>
             <a:r>
-              <a:rPr lang="en-US" dirty="0"/>
+              <a:rPr lang="en-US" b="1" dirty="0"/>
               <a:t>Results:</a:t>
             </a:r>
-            <a:endParaRPr lang="he-IL" dirty="0"/>
+            <a:endParaRPr lang="he-IL" b="1" dirty="0"/>
           </a:p>
         </p:txBody>
       </p:sp>
@@ -4418,8 +4423,12 @@
           <a:lstStyle/>
           <a:p>
             <a:r>
+              <a:rPr lang="en-US" b="1" dirty="0"/>
+              <a:t>Objective</a:t>
+            </a:r>
+            <a:r>
               <a:rPr lang="en-US" dirty="0"/>
-              <a:t>Objective:</a:t>
+              <a:t>:</a:t>
             </a:r>
             <a:endParaRPr lang="he-IL" dirty="0"/>
           </a:p>
@@ -4461,7 +4470,7 @@
             </a:r>
             <a:r>
               <a:rPr lang="en-US" dirty="0">
-                <a:hlinkClick r:id="rId3"/>
+                <a:hlinkClick r:id="rId2"/>
               </a:rPr>
               <a:t>https://www.kaggle.com/tongpython/cat-and-dog</a:t>
             </a:r>
@@ -4478,7 +4487,7 @@
             </a:r>
             <a:r>
               <a:rPr lang="en-US" dirty="0">
-                <a:hlinkClick r:id="rId4"/>
+                <a:hlinkClick r:id="rId3"/>
               </a:rPr>
               <a:t>https://www.microsoft.com/en-us/research/publication/asirra-a-captcha-that-exploits-interest-aligned-manual-image-categorization/</a:t>
             </a:r>
@@ -4566,8 +4575,20 @@
           <a:lstStyle/>
           <a:p>
             <a:r>
+              <a:rPr lang="en-US" b="1" dirty="0"/>
+              <a:t>Data</a:t>
+            </a:r>
+            <a:r>
               <a:rPr lang="en-US" dirty="0"/>
-              <a:t>Data Set:</a:t>
+              <a:t> </a:t>
+            </a:r>
+            <a:r>
+              <a:rPr lang="en-US" b="1" dirty="0"/>
+              <a:t>Set</a:t>
+            </a:r>
+            <a:r>
+              <a:rPr lang="en-US" dirty="0"/>
+              <a:t>:</a:t>
             </a:r>
             <a:endParaRPr lang="he-IL" dirty="0"/>
           </a:p>
@@ -5377,6 +5398,11 @@
 <file path=ppt/slides/slide8.xml><?xml version="1.0" encoding="utf-8"?>
 <p:sld xmlns:a="http://schemas.openxmlformats.org/drawingml/2006/main" xmlns:r="http://schemas.openxmlformats.org/officeDocument/2006/relationships" xmlns:p="http://schemas.openxmlformats.org/presentationml/2006/main">
   <p:cSld>
+    <p:bg>
+      <p:bgRef idx="1001">
+        <a:schemeClr val="bg1"/>
+      </p:bgRef>
+    </p:bg>
     <p:spTree>
       <p:nvGrpSpPr>
         <p:cNvPr id="1" name=""/>
@@ -5413,8 +5439,12 @@
           <a:lstStyle/>
           <a:p>
             <a:r>
+              <a:rPr lang="en-US" b="1" dirty="0"/>
+              <a:t>Results</a:t>
+            </a:r>
+            <a:r>
               <a:rPr lang="en-US" dirty="0"/>
-              <a:t>Results:</a:t>
+              <a:t>:</a:t>
             </a:r>
             <a:endParaRPr lang="he-IL" dirty="0"/>
           </a:p>
@@ -5437,7 +5467,7 @@
           </p:nvPr>
         </p:nvPicPr>
         <p:blipFill>
-          <a:blip r:embed="rId2"/>
+          <a:blip r:embed="rId3"/>
           <a:stretch>
             <a:fillRect/>
           </a:stretch>
@@ -5516,7 +5546,7 @@
     </p:extLst>
   </p:cSld>
   <p:clrMapOvr>
-    <a:masterClrMapping/>
+    <a:overrideClrMapping bg1="lt1" tx1="dk1" bg2="lt2" tx2="dk2" accent1="accent1" accent2="accent2" accent3="accent3" accent4="accent4" accent5="accent5" accent6="accent6" hlink="hlink" folHlink="folHlink"/>
   </p:clrMapOvr>
 </p:sld>
 </file>
@@ -5560,10 +5590,10 @@
           <a:lstStyle/>
           <a:p>
             <a:r>
-              <a:rPr lang="en-US" dirty="0"/>
-              <a:t>Data augmentation</a:t>
-            </a:r>
-            <a:endParaRPr lang="he-IL" dirty="0"/>
+              <a:rPr lang="en-US" b="1" dirty="0"/>
+              <a:t>Data augmentation:</a:t>
+            </a:r>
+            <a:endParaRPr lang="he-IL" b="1" dirty="0"/>
           </a:p>
         </p:txBody>
       </p:sp>
@@ -5952,4 +5982,47 @@
     </a:ext>
   </a:extLst>
 </a:theme>
+</file>
+
+<file path=ppt/theme/themeOverride1.xml><?xml version="1.0" encoding="utf-8"?>
+<a:themeOverride xmlns:a="http://schemas.openxmlformats.org/drawingml/2006/main">
+  <a:clrScheme name="Office">
+    <a:dk1>
+      <a:sysClr val="windowText" lastClr="000000"/>
+    </a:dk1>
+    <a:lt1>
+      <a:sysClr val="window" lastClr="FFFFFF"/>
+    </a:lt1>
+    <a:dk2>
+      <a:srgbClr val="44546A"/>
+    </a:dk2>
+    <a:lt2>
+      <a:srgbClr val="E7E6E6"/>
+    </a:lt2>
+    <a:accent1>
+      <a:srgbClr val="4472C4"/>
+    </a:accent1>
+    <a:accent2>
+      <a:srgbClr val="ED7D31"/>
+    </a:accent2>
+    <a:accent3>
+      <a:srgbClr val="A5A5A5"/>
+    </a:accent3>
+    <a:accent4>
+      <a:srgbClr val="FFC000"/>
+    </a:accent4>
+    <a:accent5>
+      <a:srgbClr val="5B9BD5"/>
+    </a:accent5>
+    <a:accent6>
+      <a:srgbClr val="70AD47"/>
+    </a:accent6>
+    <a:hlink>
+      <a:srgbClr val="0563C1"/>
+    </a:hlink>
+    <a:folHlink>
+      <a:srgbClr val="954F72"/>
+    </a:folHlink>
+  </a:clrScheme>
+</a:themeOverride>
 </file>
--- a/CNN/proj_pres.pptx
+++ b/CNN/proj_pres.pptx
@@ -17,10 +17,11 @@
     <p:sldId id="266" r:id="rId11"/>
     <p:sldId id="267" r:id="rId12"/>
     <p:sldId id="268" r:id="rId13"/>
-    <p:sldId id="269" r:id="rId14"/>
-    <p:sldId id="272" r:id="rId15"/>
-    <p:sldId id="271" r:id="rId16"/>
-    <p:sldId id="273" r:id="rId17"/>
+    <p:sldId id="274" r:id="rId14"/>
+    <p:sldId id="269" r:id="rId15"/>
+    <p:sldId id="272" r:id="rId16"/>
+    <p:sldId id="271" r:id="rId17"/>
+    <p:sldId id="273" r:id="rId18"/>
   </p:sldIdLst>
   <p:sldSz cx="12192000" cy="6858000"/>
   <p:notesSz cx="6858000" cy="9144000"/>
@@ -3990,7 +3991,7 @@
           <p:cNvPr id="2" name="Title 1">
             <a:extLst>
               <a:ext uri="{FF2B5EF4-FFF2-40B4-BE49-F238E27FC236}">
-                <a16:creationId xmlns:a16="http://schemas.microsoft.com/office/drawing/2014/main" id="{CE4B840A-DC09-42AD-88DD-90A52CADAD79}"/>
+                <a16:creationId xmlns:a16="http://schemas.microsoft.com/office/drawing/2014/main" id="{CA6CC52B-36C9-4F4B-9878-24B420D6AC20}"/>
               </a:ext>
             </a:extLst>
           </p:cNvPr>
@@ -4008,7 +4009,15 @@
           <a:p>
             <a:r>
               <a:rPr lang="en-US" b="1" dirty="0"/>
-              <a:t>Results:</a:t>
+              <a:t>In </a:t>
+            </a:r>
+            <a:r>
+              <a:rPr lang="en-US" b="1" dirty="0" err="1"/>
+              <a:t>TF.Keras</a:t>
+            </a:r>
+            <a:r>
+              <a:rPr lang="en-US" b="1" dirty="0"/>
+              <a:t>:</a:t>
             </a:r>
             <a:endParaRPr lang="he-IL" b="1" dirty="0"/>
           </a:p>
@@ -4016,19 +4025,17 @@
       </p:sp>
       <p:pic>
         <p:nvPicPr>
-          <p:cNvPr id="4" name="Content Placeholder 3">
-            <a:extLst>
-              <a:ext uri="{FF2B5EF4-FFF2-40B4-BE49-F238E27FC236}">
-                <a16:creationId xmlns:a16="http://schemas.microsoft.com/office/drawing/2014/main" id="{3B9E6EA2-F845-4EAB-8DF9-692DF0CB9A5F}"/>
+          <p:cNvPr id="4" name="Picture 3">
+            <a:extLst>
+              <a:ext uri="{FF2B5EF4-FFF2-40B4-BE49-F238E27FC236}">
+                <a16:creationId xmlns:a16="http://schemas.microsoft.com/office/drawing/2014/main" id="{9ED4437C-856A-46A4-9E5A-AF6B848BD9C4}"/>
               </a:ext>
             </a:extLst>
           </p:cNvPr>
           <p:cNvPicPr>
-            <a:picLocks noGrp="1" noChangeAspect="1"/>
+            <a:picLocks noChangeAspect="1"/>
           </p:cNvPicPr>
-          <p:nvPr>
-            <p:ph idx="1"/>
-          </p:nvPr>
+          <p:nvPr/>
         </p:nvPicPr>
         <p:blipFill>
           <a:blip r:embed="rId2"/>
@@ -4038,104 +4045,18 @@
         </p:blipFill>
         <p:spPr>
           <a:xfrm>
-            <a:off x="601863" y="1690688"/>
-            <a:ext cx="4294510" cy="4351338"/>
+            <a:off x="3641231" y="1598577"/>
+            <a:ext cx="5209805" cy="4489857"/>
           </a:xfrm>
           <a:prstGeom prst="rect">
             <a:avLst/>
           </a:prstGeom>
         </p:spPr>
       </p:pic>
-      <p:sp>
-        <p:nvSpPr>
-          <p:cNvPr id="5" name="TextBox 4">
-            <a:extLst>
-              <a:ext uri="{FF2B5EF4-FFF2-40B4-BE49-F238E27FC236}">
-                <a16:creationId xmlns:a16="http://schemas.microsoft.com/office/drawing/2014/main" id="{3D4B4451-B034-4C72-A702-1AEE013CFB56}"/>
-              </a:ext>
-            </a:extLst>
-          </p:cNvPr>
-          <p:cNvSpPr txBox="1"/>
-          <p:nvPr/>
-        </p:nvSpPr>
-        <p:spPr>
-          <a:xfrm>
-            <a:off x="8176333" y="1171852"/>
-            <a:ext cx="2610035" cy="646331"/>
-          </a:xfrm>
-          <a:prstGeom prst="rect">
-            <a:avLst/>
-          </a:prstGeom>
-          <a:noFill/>
-        </p:spPr>
-        <p:txBody>
-          <a:bodyPr wrap="square" rtlCol="1">
-            <a:spAutoFit/>
-          </a:bodyPr>
-          <a:lstStyle/>
-          <a:p>
-            <a:r>
-              <a:rPr lang="en-US" dirty="0"/>
-              <a:t>We got 92.14% test acc, </a:t>
-            </a:r>
-          </a:p>
-          <a:p>
-            <a:r>
-              <a:rPr lang="en-US" dirty="0"/>
-              <a:t>F-measure:0.92</a:t>
-            </a:r>
-            <a:endParaRPr lang="he-IL" dirty="0"/>
-          </a:p>
-        </p:txBody>
-      </p:sp>
-      <p:sp>
-        <p:nvSpPr>
-          <p:cNvPr id="6" name="TextBox 5">
-            <a:extLst>
-              <a:ext uri="{FF2B5EF4-FFF2-40B4-BE49-F238E27FC236}">
-                <a16:creationId xmlns:a16="http://schemas.microsoft.com/office/drawing/2014/main" id="{EC52CB67-C812-4044-A83C-A9F11CA96D40}"/>
-              </a:ext>
-            </a:extLst>
-          </p:cNvPr>
-          <p:cNvSpPr txBox="1"/>
-          <p:nvPr/>
-        </p:nvSpPr>
-        <p:spPr>
-          <a:xfrm>
-            <a:off x="8176333" y="1900497"/>
-            <a:ext cx="2521258" cy="3416320"/>
-          </a:xfrm>
-          <a:prstGeom prst="rect">
-            <a:avLst/>
-          </a:prstGeom>
-          <a:noFill/>
-        </p:spPr>
-        <p:txBody>
-          <a:bodyPr wrap="square" rtlCol="1">
-            <a:spAutoFit/>
-          </a:bodyPr>
-          <a:lstStyle/>
-          <a:p>
-            <a:r>
-              <a:rPr lang="en-US" dirty="0"/>
-              <a:t>This is much better, we will stop here.</a:t>
-            </a:r>
-          </a:p>
-          <a:p>
-            <a:endParaRPr lang="en-US" dirty="0"/>
-          </a:p>
-          <a:p>
-            <a:r>
-              <a:rPr lang="en-US" dirty="0"/>
-              <a:t>But we could do better - Notice that we got only to around ~93% in train acc, with more epochs we could get to 100%, and while we use data augmentation combined with dropout reg – we shouldn’t overfit</a:t>
-            </a:r>
-          </a:p>
-        </p:txBody>
-      </p:sp>
     </p:spTree>
     <p:extLst>
       <p:ext uri="{BB962C8B-B14F-4D97-AF65-F5344CB8AC3E}">
-        <p14:creationId xmlns:p14="http://schemas.microsoft.com/office/powerpoint/2010/main" val="1494211881"/>
+        <p14:creationId xmlns:p14="http://schemas.microsoft.com/office/powerpoint/2010/main" val="664912260"/>
       </p:ext>
     </p:extLst>
   </p:cSld>
@@ -4167,7 +4088,7 @@
           <p:cNvPr id="2" name="Title 1">
             <a:extLst>
               <a:ext uri="{FF2B5EF4-FFF2-40B4-BE49-F238E27FC236}">
-                <a16:creationId xmlns:a16="http://schemas.microsoft.com/office/drawing/2014/main" id="{288EBD36-E258-4941-B9C5-66ADC7CCEDB6}"/>
+                <a16:creationId xmlns:a16="http://schemas.microsoft.com/office/drawing/2014/main" id="{CE4B840A-DC09-42AD-88DD-90A52CADAD79}"/>
               </a:ext>
             </a:extLst>
           </p:cNvPr>
@@ -4178,31 +4099,141 @@
             <p:ph type="title"/>
           </p:nvPr>
         </p:nvSpPr>
+        <p:spPr/>
+        <p:txBody>
+          <a:bodyPr/>
+          <a:lstStyle/>
+          <a:p>
+            <a:r>
+              <a:rPr lang="en-US" b="1" dirty="0"/>
+              <a:t>Results:</a:t>
+            </a:r>
+            <a:endParaRPr lang="he-IL" b="1" dirty="0"/>
+          </a:p>
+        </p:txBody>
+      </p:sp>
+      <p:pic>
+        <p:nvPicPr>
+          <p:cNvPr id="4" name="Content Placeholder 3">
+            <a:extLst>
+              <a:ext uri="{FF2B5EF4-FFF2-40B4-BE49-F238E27FC236}">
+                <a16:creationId xmlns:a16="http://schemas.microsoft.com/office/drawing/2014/main" id="{3B9E6EA2-F845-4EAB-8DF9-692DF0CB9A5F}"/>
+              </a:ext>
+            </a:extLst>
+          </p:cNvPr>
+          <p:cNvPicPr>
+            <a:picLocks noGrp="1" noChangeAspect="1"/>
+          </p:cNvPicPr>
+          <p:nvPr>
+            <p:ph idx="1"/>
+          </p:nvPr>
+        </p:nvPicPr>
+        <p:blipFill>
+          <a:blip r:embed="rId2"/>
+          <a:stretch>
+            <a:fillRect/>
+          </a:stretch>
+        </p:blipFill>
         <p:spPr>
           <a:xfrm>
-            <a:off x="1353106" y="2766218"/>
-            <a:ext cx="10515600" cy="1325563"/>
+            <a:off x="601863" y="1690688"/>
+            <a:ext cx="4294510" cy="4351338"/>
           </a:xfrm>
+          <a:prstGeom prst="rect">
+            <a:avLst/>
+          </a:prstGeom>
         </p:spPr>
-        <p:txBody>
-          <a:bodyPr/>
+      </p:pic>
+      <p:sp>
+        <p:nvSpPr>
+          <p:cNvPr id="5" name="TextBox 4">
+            <a:extLst>
+              <a:ext uri="{FF2B5EF4-FFF2-40B4-BE49-F238E27FC236}">
+                <a16:creationId xmlns:a16="http://schemas.microsoft.com/office/drawing/2014/main" id="{3D4B4451-B034-4C72-A702-1AEE013CFB56}"/>
+              </a:ext>
+            </a:extLst>
+          </p:cNvPr>
+          <p:cNvSpPr txBox="1"/>
+          <p:nvPr/>
+        </p:nvSpPr>
+        <p:spPr>
+          <a:xfrm>
+            <a:off x="8176333" y="1171852"/>
+            <a:ext cx="2610035" cy="646331"/>
+          </a:xfrm>
+          <a:prstGeom prst="rect">
+            <a:avLst/>
+          </a:prstGeom>
+          <a:noFill/>
+        </p:spPr>
+        <p:txBody>
+          <a:bodyPr wrap="square" rtlCol="1">
+            <a:spAutoFit/>
+          </a:bodyPr>
           <a:lstStyle/>
           <a:p>
             <a:r>
               <a:rPr lang="en-US" dirty="0"/>
-              <a:t>EXAMPLE ON 100 RANDOM IMAGES </a:t>
-            </a:r>
-            <a:br>
+              <a:t>We got 92.14% test acc, </a:t>
+            </a:r>
+          </a:p>
+          <a:p>
+            <a:r>
               <a:rPr lang="en-US" dirty="0"/>
-            </a:br>
+              <a:t>F-measure:0.92</a:t>
+            </a:r>
             <a:endParaRPr lang="he-IL" dirty="0"/>
+          </a:p>
+        </p:txBody>
+      </p:sp>
+      <p:sp>
+        <p:nvSpPr>
+          <p:cNvPr id="6" name="TextBox 5">
+            <a:extLst>
+              <a:ext uri="{FF2B5EF4-FFF2-40B4-BE49-F238E27FC236}">
+                <a16:creationId xmlns:a16="http://schemas.microsoft.com/office/drawing/2014/main" id="{EC52CB67-C812-4044-A83C-A9F11CA96D40}"/>
+              </a:ext>
+            </a:extLst>
+          </p:cNvPr>
+          <p:cNvSpPr txBox="1"/>
+          <p:nvPr/>
+        </p:nvSpPr>
+        <p:spPr>
+          <a:xfrm>
+            <a:off x="8176333" y="1900497"/>
+            <a:ext cx="2521258" cy="3416320"/>
+          </a:xfrm>
+          <a:prstGeom prst="rect">
+            <a:avLst/>
+          </a:prstGeom>
+          <a:noFill/>
+        </p:spPr>
+        <p:txBody>
+          <a:bodyPr wrap="square" rtlCol="1">
+            <a:spAutoFit/>
+          </a:bodyPr>
+          <a:lstStyle/>
+          <a:p>
+            <a:r>
+              <a:rPr lang="en-US" dirty="0"/>
+              <a:t>This is much better, we will stop here.</a:t>
+            </a:r>
+          </a:p>
+          <a:p>
+            <a:endParaRPr lang="en-US" dirty="0"/>
+          </a:p>
+          <a:p>
+            <a:r>
+              <a:rPr lang="en-US" dirty="0"/>
+              <a:t>But we could do better - Notice that we got only to around ~93% in train acc, with more epochs we could get to 100%, and while we use data augmentation combined with dropout reg – we shouldn’t overfit</a:t>
+            </a:r>
           </a:p>
         </p:txBody>
       </p:sp>
     </p:spTree>
     <p:extLst>
       <p:ext uri="{BB962C8B-B14F-4D97-AF65-F5344CB8AC3E}">
-        <p14:creationId xmlns:p14="http://schemas.microsoft.com/office/powerpoint/2010/main" val="3774466052"/>
+        <p14:creationId xmlns:p14="http://schemas.microsoft.com/office/powerpoint/2010/main" val="1494211881"/>
       </p:ext>
     </p:extLst>
   </p:cSld>
@@ -4234,6 +4265,73 @@
           <p:cNvPr id="2" name="Title 1">
             <a:extLst>
               <a:ext uri="{FF2B5EF4-FFF2-40B4-BE49-F238E27FC236}">
+                <a16:creationId xmlns:a16="http://schemas.microsoft.com/office/drawing/2014/main" id="{288EBD36-E258-4941-B9C5-66ADC7CCEDB6}"/>
+              </a:ext>
+            </a:extLst>
+          </p:cNvPr>
+          <p:cNvSpPr>
+            <a:spLocks noGrp="1"/>
+          </p:cNvSpPr>
+          <p:nvPr>
+            <p:ph type="title"/>
+          </p:nvPr>
+        </p:nvSpPr>
+        <p:spPr>
+          <a:xfrm>
+            <a:off x="1353106" y="2766218"/>
+            <a:ext cx="10515600" cy="1325563"/>
+          </a:xfrm>
+        </p:spPr>
+        <p:txBody>
+          <a:bodyPr/>
+          <a:lstStyle/>
+          <a:p>
+            <a:r>
+              <a:rPr lang="en-US" dirty="0"/>
+              <a:t>EXAMPLE ON 100 RANDOM IMAGES </a:t>
+            </a:r>
+            <a:br>
+              <a:rPr lang="en-US" dirty="0"/>
+            </a:br>
+            <a:endParaRPr lang="he-IL" dirty="0"/>
+          </a:p>
+        </p:txBody>
+      </p:sp>
+    </p:spTree>
+    <p:extLst>
+      <p:ext uri="{BB962C8B-B14F-4D97-AF65-F5344CB8AC3E}">
+        <p14:creationId xmlns:p14="http://schemas.microsoft.com/office/powerpoint/2010/main" val="3774466052"/>
+      </p:ext>
+    </p:extLst>
+  </p:cSld>
+  <p:clrMapOvr>
+    <a:masterClrMapping/>
+  </p:clrMapOvr>
+</p:sld>
+</file>
+
+<file path=ppt/slides/slide16.xml><?xml version="1.0" encoding="utf-8"?>
+<p:sld xmlns:a="http://schemas.openxmlformats.org/drawingml/2006/main" xmlns:r="http://schemas.openxmlformats.org/officeDocument/2006/relationships" xmlns:p="http://schemas.openxmlformats.org/presentationml/2006/main">
+  <p:cSld>
+    <p:spTree>
+      <p:nvGrpSpPr>
+        <p:cNvPr id="1" name=""/>
+        <p:cNvGrpSpPr/>
+        <p:nvPr/>
+      </p:nvGrpSpPr>
+      <p:grpSpPr>
+        <a:xfrm>
+          <a:off x="0" y="0"/>
+          <a:ext cx="0" cy="0"/>
+          <a:chOff x="0" y="0"/>
+          <a:chExt cx="0" cy="0"/>
+        </a:xfrm>
+      </p:grpSpPr>
+      <p:sp>
+        <p:nvSpPr>
+          <p:cNvPr id="2" name="Title 1">
+            <a:extLst>
+              <a:ext uri="{FF2B5EF4-FFF2-40B4-BE49-F238E27FC236}">
                 <a16:creationId xmlns:a16="http://schemas.microsoft.com/office/drawing/2014/main" id="{FAD2AC48-F815-4880-987A-FC5FA3380335}"/>
               </a:ext>
             </a:extLst>
@@ -4320,7 +4418,7 @@
 </p:sld>
 </file>
 
-<file path=ppt/slides/slide16.xml><?xml version="1.0" encoding="utf-8"?>
+<file path=ppt/slides/slide17.xml><?xml version="1.0" encoding="utf-8"?>
 <p:sld xmlns:a="http://schemas.openxmlformats.org/drawingml/2006/main" xmlns:r="http://schemas.openxmlformats.org/officeDocument/2006/relationships" xmlns:p="http://schemas.openxmlformats.org/presentationml/2006/main">
   <p:cSld>
     <p:spTree>
@@ -4971,7 +5069,7 @@
             </a:r>
             <a:r>
               <a:rPr lang="en-US" dirty="0" err="1"/>
-              <a:t>Relu</a:t>
+              <a:t>ReLU</a:t>
             </a:r>
             <a:r>
               <a:rPr lang="en-US" dirty="0"/>

--- a/CNN/proj_pres.pptx
+++ b/CNN/proj_pres.pptx
@@ -4731,7 +4731,7 @@
           <a:p>
             <a:r>
               <a:rPr lang="en-US" dirty="0"/>
-              <a:t>All images resolution edited to be 200X200</a:t>
+              <a:t>All images resolution edited to be 200X200 (3 channels - RGB)</a:t>
             </a:r>
           </a:p>
           <a:p>
@@ -4842,7 +4842,7 @@
           <a:p>
             <a:r>
               <a:rPr lang="en-US" dirty="0"/>
-              <a:t>We’ll use the VGG model [</a:t>
+              <a:t>We’ll use the VGG blocks model [</a:t>
             </a:r>
             <a:r>
               <a:rPr lang="en-US" dirty="0">
@@ -4858,7 +4858,7 @@
           <a:p>
             <a:r>
               <a:rPr lang="en-US" dirty="0"/>
-              <a:t>VGG blocks are Convolutional Layers followed – connected to a Max Pooling layer, while both kernels are usually small matrix 3X3 and 2X2 respectively, and the amount of  filters start usually from 32 and grows by powers of 2 – 64,128,etc..</a:t>
+              <a:t>VGG blocks are Convolutional Layers followed – connected to a Max Pooling layer, while both kernels are usually small matrix 3X3 with random numbers and 2X2 respectively, and the amount of  filters start usually from 32 and grows by powers of 2 –16,32,64,128,etc..</a:t>
             </a:r>
           </a:p>
           <a:p>
@@ -4894,7 +4894,7 @@
         </p:blipFill>
         <p:spPr>
           <a:xfrm>
-            <a:off x="1092631" y="3989782"/>
+            <a:off x="1119264" y="4670819"/>
             <a:ext cx="5942377" cy="2187181"/>
           </a:xfrm>
           <a:prstGeom prst="rect">
